--- a/web/g24/status/Status2.pptx
+++ b/web/g24/status/Status2.pptx
@@ -5470,21 +5470,8 @@
                   <a:srgbClr val="A50021"/>
                 </a:solidFill>
               </a:rPr>
-              <a:t>I Quiz 1 var jeres gennemsnitlige vurdering af pensummets sværhedsgrad </a:t>
-            </a:r>
-            <a:r>
-              <a:rPr lang="da-DK" altLang="da-DK" sz="1800" b="1" spc="-80" dirty="0" smtClean="0">
-                <a:solidFill>
-                  <a:srgbClr val="A50021"/>
-                </a:solidFill>
-              </a:rPr>
-              <a:t>2,71 (mod 3,08 i 2022)</a:t>
-            </a:r>
-            <a:endParaRPr lang="da-DK" altLang="da-DK" sz="1800" b="1" spc="-80" dirty="0" smtClean="0">
-              <a:solidFill>
-                <a:srgbClr val="A50021"/>
-              </a:solidFill>
-            </a:endParaRPr>
+              <a:t>I Quiz 1 var jeres gennemsnitlige vurdering af pensummets sværhedsgrad 2,71 (mod 3,08 i 2022)</a:t>
+            </a:r>
           </a:p>
           <a:p>
             <a:pPr marL="742950" lvl="1" indent="-285750">
@@ -5506,15 +5493,7 @@
             </a:r>
             <a:r>
               <a:rPr lang="da-DK" altLang="da-DK" sz="1600" dirty="0" smtClean="0"/>
-              <a:t>(en </a:t>
-            </a:r>
-            <a:r>
-              <a:rPr lang="da-DK" altLang="da-DK" sz="1600" dirty="0" smtClean="0"/>
-              <a:t>anelse) under </a:t>
-            </a:r>
-            <a:r>
-              <a:rPr lang="da-DK" altLang="da-DK" sz="1600" dirty="0" smtClean="0"/>
-              <a:t>middel – hvilket må siges at være særdeles passende</a:t>
+              <a:t>(en anelse) under middel – hvilket må siges at være særdeles passende</a:t>
             </a:r>
             <a:endParaRPr lang="da-DK" altLang="da-DK" sz="1600" dirty="0"/>
           </a:p>
@@ -5596,21 +5575,8 @@
             </a:pPr>
             <a:r>
               <a:rPr lang="da-DK" altLang="da-DK" sz="1600" dirty="0" smtClean="0"/>
-              <a:t>I brugte </a:t>
-            </a:r>
-            <a:r>
-              <a:rPr lang="da-DK" altLang="da-DK" sz="1600" dirty="0" smtClean="0"/>
-              <a:t>1,57 </a:t>
-            </a:r>
-            <a:r>
-              <a:rPr lang="da-DK" altLang="da-DK" sz="1600" dirty="0" smtClean="0"/>
-              <a:t>forsøg pr </a:t>
-            </a:r>
-            <a:r>
-              <a:rPr lang="da-DK" altLang="da-DK" sz="1600" dirty="0" smtClean="0"/>
-              <a:t>spørgsmål (mod 1,62 i 2022)</a:t>
-            </a:r>
-            <a:endParaRPr lang="da-DK" altLang="da-DK" sz="1600" dirty="0" smtClean="0"/>
+              <a:t>I brugte 1,57 forsøg pr spørgsmål (mod 1,62 i 2022)</a:t>
+            </a:r>
           </a:p>
           <a:p>
             <a:pPr marL="742950" lvl="1" indent="-285750">
@@ -5622,15 +5588,7 @@
             </a:pPr>
             <a:r>
               <a:rPr lang="da-DK" altLang="da-DK" sz="1600" dirty="0" smtClean="0"/>
-              <a:t>I havde dog lidt svært ved spørgsmål </a:t>
-            </a:r>
-            <a:r>
-              <a:rPr lang="da-DK" altLang="da-DK" sz="1600" dirty="0" smtClean="0"/>
-              <a:t>11</a:t>
-            </a:r>
-            <a:r>
-              <a:rPr lang="da-DK" altLang="da-DK" sz="1600" dirty="0" smtClean="0"/>
-              <a:t>, 15 og 16 (hvilket er helt normalt)</a:t>
+              <a:t>I havde dog lidt svært ved spørgsmål 11, 15 og 16 (hvilket er helt normalt)</a:t>
             </a:r>
           </a:p>
           <a:p>
@@ -8282,12 +8240,28 @@
               <a:t>arbejde sammen </a:t>
             </a:r>
             <a:r>
+              <a:rPr lang="da-DK" altLang="da-DK" sz="1800" b="1" spc="-40" smtClean="0">
+                <a:solidFill>
+                  <a:srgbClr val="A50021"/>
+                </a:solidFill>
+              </a:rPr>
+              <a:t>med </a:t>
+            </a:r>
+            <a:r>
+              <a:rPr lang="da-DK" altLang="da-DK" sz="1800" b="1" spc="-40" smtClean="0">
+                <a:solidFill>
+                  <a:srgbClr val="A50021"/>
+                </a:solidFill>
+              </a:rPr>
+              <a:t>jeres </a:t>
+            </a:r>
+            <a:r>
               <a:rPr lang="da-DK" altLang="da-DK" sz="1800" b="1" spc="-40" dirty="0" smtClean="0">
                 <a:solidFill>
                   <a:srgbClr val="A50021"/>
                 </a:solidFill>
               </a:rPr>
-              <a:t>med jer makker via </a:t>
+              <a:t>makker via </a:t>
             </a:r>
             <a:r>
               <a:rPr lang="da-DK" altLang="da-DK" sz="1800" b="1" spc="-40" dirty="0">
@@ -9815,23 +9789,6 @@
 </file>
 
 <file path=customXml/item1.xml><?xml version="1.0" encoding="utf-8"?>
-<p:properties xmlns:p="http://schemas.microsoft.com/office/2006/metadata/properties" xmlns:xsi="http://www.w3.org/2001/XMLSchema-instance" xmlns:pc="http://schemas.microsoft.com/office/infopath/2007/PartnerControls">
-  <documentManagement>
-    <_activity xmlns="f659a008-7c21-4ee3-a745-e38581e13101" xsi:nil="true"/>
-  </documentManagement>
-</p:properties>
-</file>
-
-<file path=customXml/item2.xml><?xml version="1.0" encoding="utf-8"?>
-<?mso-contentType ?>
-<FormTemplates xmlns="http://schemas.microsoft.com/sharepoint/v3/contenttype/forms">
-  <Display>DocumentLibraryForm</Display>
-  <Edit>DocumentLibraryForm</Edit>
-  <New>DocumentLibraryForm</New>
-</FormTemplates>
-</file>
-
-<file path=customXml/item3.xml><?xml version="1.0" encoding="utf-8"?>
 <ct:contentTypeSchema xmlns:ct="http://schemas.microsoft.com/office/2006/metadata/contentType" xmlns:ma="http://schemas.microsoft.com/office/2006/metadata/properties/metaAttributes" ct:_="" ma:_="" ma:contentTypeName="Dokument" ma:contentTypeID="0x01010056836BC33D1E5846BD77C269C61838DB" ma:contentTypeVersion="16" ma:contentTypeDescription="Opret et nyt dokument." ma:contentTypeScope="" ma:versionID="ef3cc48880d2d4424b772cc9d47831bb">
   <xsd:schema xmlns:xsd="http://www.w3.org/2001/XMLSchema" xmlns:xs="http://www.w3.org/2001/XMLSchema" xmlns:p="http://schemas.microsoft.com/office/2006/metadata/properties" xmlns:ns3="f659a008-7c21-4ee3-a745-e38581e13101" xmlns:ns4="e064323b-8959-406a-a3e9-bb6e93638192" targetNamespace="http://schemas.microsoft.com/office/2006/metadata/properties" ma:root="true" ma:fieldsID="f385e854457ff68500d83ba1a633310b" ns3:_="" ns4:_="">
     <xsd:import namespace="f659a008-7c21-4ee3-a745-e38581e13101"/>
@@ -10070,32 +10027,24 @@
 </ct:contentTypeSchema>
 </file>
 
-<file path=customXml/itemProps1.xml><?xml version="1.0" encoding="utf-8"?>
-<ds:datastoreItem xmlns:ds="http://schemas.openxmlformats.org/officeDocument/2006/customXml" ds:itemID="{72A61720-A5F2-4E19-AD37-2CA724E7EBE8}">
-  <ds:schemaRefs>
-    <ds:schemaRef ds:uri="http://schemas.openxmlformats.org/package/2006/metadata/core-properties"/>
-    <ds:schemaRef ds:uri="http://www.w3.org/XML/1998/namespace"/>
-    <ds:schemaRef ds:uri="f659a008-7c21-4ee3-a745-e38581e13101"/>
-    <ds:schemaRef ds:uri="http://schemas.microsoft.com/office/2006/documentManagement/types"/>
-    <ds:schemaRef ds:uri="http://schemas.microsoft.com/office/infopath/2007/PartnerControls"/>
-    <ds:schemaRef ds:uri="e064323b-8959-406a-a3e9-bb6e93638192"/>
-    <ds:schemaRef ds:uri="http://purl.org/dc/terms/"/>
-    <ds:schemaRef ds:uri="http://schemas.microsoft.com/office/2006/metadata/properties"/>
-    <ds:schemaRef ds:uri="http://purl.org/dc/dcmitype/"/>
-    <ds:schemaRef ds:uri="http://purl.org/dc/elements/1.1/"/>
-  </ds:schemaRefs>
-</ds:datastoreItem>
+<file path=customXml/item2.xml><?xml version="1.0" encoding="utf-8"?>
+<?mso-contentType ?>
+<FormTemplates xmlns="http://schemas.microsoft.com/sharepoint/v3/contenttype/forms">
+  <Display>DocumentLibraryForm</Display>
+  <Edit>DocumentLibraryForm</Edit>
+  <New>DocumentLibraryForm</New>
+</FormTemplates>
 </file>
 
-<file path=customXml/itemProps2.xml><?xml version="1.0" encoding="utf-8"?>
-<ds:datastoreItem xmlns:ds="http://schemas.openxmlformats.org/officeDocument/2006/customXml" ds:itemID="{23DCBFCB-6294-428A-8889-59CB785517CE}">
-  <ds:schemaRefs>
-    <ds:schemaRef ds:uri="http://schemas.microsoft.com/sharepoint/v3/contenttype/forms"/>
-  </ds:schemaRefs>
-</ds:datastoreItem>
+<file path=customXml/item3.xml><?xml version="1.0" encoding="utf-8"?>
+<p:properties xmlns:p="http://schemas.microsoft.com/office/2006/metadata/properties" xmlns:xsi="http://www.w3.org/2001/XMLSchema-instance" xmlns:pc="http://schemas.microsoft.com/office/infopath/2007/PartnerControls">
+  <documentManagement>
+    <_activity xmlns="f659a008-7c21-4ee3-a745-e38581e13101" xsi:nil="true"/>
+  </documentManagement>
+</p:properties>
 </file>
 
-<file path=customXml/itemProps3.xml><?xml version="1.0" encoding="utf-8"?>
+<file path=customXml/itemProps1.xml><?xml version="1.0" encoding="utf-8"?>
 <ds:datastoreItem xmlns:ds="http://schemas.openxmlformats.org/officeDocument/2006/customXml" ds:itemID="{9E7EBA44-EE0D-47FC-91F8-780C9E658A22}">
   <ds:schemaRefs>
     <ds:schemaRef ds:uri="http://schemas.microsoft.com/office/2006/metadata/contentType"/>
@@ -10112,4 +10061,29 @@
     <ds:schemaRef ds:uri="http://schemas.microsoft.com/internal/obd"/>
   </ds:schemaRefs>
 </ds:datastoreItem>
+</file>
+
+<file path=customXml/itemProps2.xml><?xml version="1.0" encoding="utf-8"?>
+<ds:datastoreItem xmlns:ds="http://schemas.openxmlformats.org/officeDocument/2006/customXml" ds:itemID="{23DCBFCB-6294-428A-8889-59CB785517CE}">
+  <ds:schemaRefs>
+    <ds:schemaRef ds:uri="http://schemas.microsoft.com/sharepoint/v3/contenttype/forms"/>
+  </ds:schemaRefs>
+</ds:datastoreItem>
+</file>
+
+<file path=customXml/itemProps3.xml><?xml version="1.0" encoding="utf-8"?>
+<ds:datastoreItem xmlns:ds="http://schemas.openxmlformats.org/officeDocument/2006/customXml" ds:itemID="{72A61720-A5F2-4E19-AD37-2CA724E7EBE8}">
+  <ds:schemaRefs>
+    <ds:schemaRef ds:uri="http://www.w3.org/XML/1998/namespace"/>
+    <ds:schemaRef ds:uri="http://schemas.microsoft.com/office/infopath/2007/PartnerControls"/>
+    <ds:schemaRef ds:uri="http://schemas.openxmlformats.org/package/2006/metadata/core-properties"/>
+    <ds:schemaRef ds:uri="http://schemas.microsoft.com/office/2006/documentManagement/types"/>
+    <ds:schemaRef ds:uri="http://purl.org/dc/elements/1.1/"/>
+    <ds:schemaRef ds:uri="http://purl.org/dc/terms/"/>
+    <ds:schemaRef ds:uri="e064323b-8959-406a-a3e9-bb6e93638192"/>
+    <ds:schemaRef ds:uri="f659a008-7c21-4ee3-a745-e38581e13101"/>
+    <ds:schemaRef ds:uri="http://schemas.microsoft.com/office/2006/metadata/properties"/>
+    <ds:schemaRef ds:uri="http://purl.org/dc/dcmitype/"/>
+  </ds:schemaRefs>
+</ds:datastoreItem>
 </file>